--- a/36 Brand Yourself.pptx
+++ b/36 Brand Yourself.pptx
@@ -854,7 +854,7 @@
           <a:p>
             <a:fld id="{C4B1DA5E-C08E-4437-9F13-CDB15DC00A7F}" type="datetimeFigureOut">
               <a:rPr lang="en-US" smtClean="0"/>
-              <a:t>11/8/2023</a:t>
+              <a:t>11/29/2023</a:t>
             </a:fld>
             <a:endParaRPr lang="en-US"/>
           </a:p>
@@ -1105,7 +1105,7 @@
           <a:p>
             <a:fld id="{C4B1DA5E-C08E-4437-9F13-CDB15DC00A7F}" type="datetimeFigureOut">
               <a:rPr lang="en-US" smtClean="0"/>
-              <a:t>11/8/2023</a:t>
+              <a:t>11/29/2023</a:t>
             </a:fld>
             <a:endParaRPr lang="en-US"/>
           </a:p>
@@ -1419,7 +1419,7 @@
           <a:p>
             <a:fld id="{C4B1DA5E-C08E-4437-9F13-CDB15DC00A7F}" type="datetimeFigureOut">
               <a:rPr lang="en-US" smtClean="0"/>
-              <a:t>11/8/2023</a:t>
+              <a:t>11/29/2023</a:t>
             </a:fld>
             <a:endParaRPr lang="en-US"/>
           </a:p>
@@ -1746,7 +1746,7 @@
           <a:p>
             <a:fld id="{C4B1DA5E-C08E-4437-9F13-CDB15DC00A7F}" type="datetimeFigureOut">
               <a:rPr lang="en-US" smtClean="0"/>
-              <a:t>11/8/2023</a:t>
+              <a:t>11/29/2023</a:t>
             </a:fld>
             <a:endParaRPr lang="en-US"/>
           </a:p>
@@ -2060,7 +2060,7 @@
           <a:p>
             <a:fld id="{C4B1DA5E-C08E-4437-9F13-CDB15DC00A7F}" type="datetimeFigureOut">
               <a:rPr lang="en-US" smtClean="0"/>
-              <a:t>11/8/2023</a:t>
+              <a:t>11/29/2023</a:t>
             </a:fld>
             <a:endParaRPr lang="en-US"/>
           </a:p>
@@ -2447,7 +2447,7 @@
           <a:p>
             <a:fld id="{C4B1DA5E-C08E-4437-9F13-CDB15DC00A7F}" type="datetimeFigureOut">
               <a:rPr lang="en-US" smtClean="0"/>
-              <a:t>11/8/2023</a:t>
+              <a:t>11/29/2023</a:t>
             </a:fld>
             <a:endParaRPr lang="en-US"/>
           </a:p>
@@ -2617,7 +2617,7 @@
           <a:p>
             <a:fld id="{C4B1DA5E-C08E-4437-9F13-CDB15DC00A7F}" type="datetimeFigureOut">
               <a:rPr lang="en-US" smtClean="0"/>
-              <a:t>11/8/2023</a:t>
+              <a:t>11/29/2023</a:t>
             </a:fld>
             <a:endParaRPr lang="en-US"/>
           </a:p>
@@ -2797,7 +2797,7 @@
           <a:p>
             <a:fld id="{C4B1DA5E-C08E-4437-9F13-CDB15DC00A7F}" type="datetimeFigureOut">
               <a:rPr lang="en-US" smtClean="0"/>
-              <a:t>11/8/2023</a:t>
+              <a:t>11/29/2023</a:t>
             </a:fld>
             <a:endParaRPr lang="en-US"/>
           </a:p>
@@ -2967,7 +2967,7 @@
           <a:p>
             <a:fld id="{C4B1DA5E-C08E-4437-9F13-CDB15DC00A7F}" type="datetimeFigureOut">
               <a:rPr lang="en-US" smtClean="0"/>
-              <a:t>11/8/2023</a:t>
+              <a:t>11/29/2023</a:t>
             </a:fld>
             <a:endParaRPr lang="en-US"/>
           </a:p>
@@ -3214,7 +3214,7 @@
           <a:p>
             <a:fld id="{C4B1DA5E-C08E-4437-9F13-CDB15DC00A7F}" type="datetimeFigureOut">
               <a:rPr lang="en-US" smtClean="0"/>
-              <a:t>11/8/2023</a:t>
+              <a:t>11/29/2023</a:t>
             </a:fld>
             <a:endParaRPr lang="en-US"/>
           </a:p>
@@ -3446,7 +3446,7 @@
           <a:p>
             <a:fld id="{C4B1DA5E-C08E-4437-9F13-CDB15DC00A7F}" type="datetimeFigureOut">
               <a:rPr lang="en-US" smtClean="0"/>
-              <a:t>11/8/2023</a:t>
+              <a:t>11/29/2023</a:t>
             </a:fld>
             <a:endParaRPr lang="en-US"/>
           </a:p>
@@ -3820,7 +3820,7 @@
           <a:p>
             <a:fld id="{C4B1DA5E-C08E-4437-9F13-CDB15DC00A7F}" type="datetimeFigureOut">
               <a:rPr lang="en-US" smtClean="0"/>
-              <a:t>11/8/2023</a:t>
+              <a:t>11/29/2023</a:t>
             </a:fld>
             <a:endParaRPr lang="en-US"/>
           </a:p>
@@ -3943,7 +3943,7 @@
           <a:p>
             <a:fld id="{C4B1DA5E-C08E-4437-9F13-CDB15DC00A7F}" type="datetimeFigureOut">
               <a:rPr lang="en-US" smtClean="0"/>
-              <a:t>11/8/2023</a:t>
+              <a:t>11/29/2023</a:t>
             </a:fld>
             <a:endParaRPr lang="en-US"/>
           </a:p>
@@ -4038,7 +4038,7 @@
           <a:p>
             <a:fld id="{C4B1DA5E-C08E-4437-9F13-CDB15DC00A7F}" type="datetimeFigureOut">
               <a:rPr lang="en-US" smtClean="0"/>
-              <a:t>11/8/2023</a:t>
+              <a:t>11/29/2023</a:t>
             </a:fld>
             <a:endParaRPr lang="en-US"/>
           </a:p>
@@ -4293,7 +4293,7 @@
           <a:p>
             <a:fld id="{C4B1DA5E-C08E-4437-9F13-CDB15DC00A7F}" type="datetimeFigureOut">
               <a:rPr lang="en-US" smtClean="0"/>
-              <a:t>11/8/2023</a:t>
+              <a:t>11/29/2023</a:t>
             </a:fld>
             <a:endParaRPr lang="en-US"/>
           </a:p>
@@ -4556,7 +4556,7 @@
           <a:p>
             <a:fld id="{C4B1DA5E-C08E-4437-9F13-CDB15DC00A7F}" type="datetimeFigureOut">
               <a:rPr lang="en-US" smtClean="0"/>
-              <a:t>11/8/2023</a:t>
+              <a:t>11/29/2023</a:t>
             </a:fld>
             <a:endParaRPr lang="en-US"/>
           </a:p>
@@ -5301,7 +5301,7 @@
           <a:p>
             <a:fld id="{C4B1DA5E-C08E-4437-9F13-CDB15DC00A7F}" type="datetimeFigureOut">
               <a:rPr lang="en-US" smtClean="0"/>
-              <a:t>11/8/2023</a:t>
+              <a:t>11/29/2023</a:t>
             </a:fld>
             <a:endParaRPr lang="en-US"/>
           </a:p>
@@ -8854,13 +8854,12 @@
           <a:p>
             <a:pPr algn="ctr"/>
             <a:r>
-              <a:rPr lang="en-US" dirty="0"/>
+              <a:rPr lang="en-US" dirty="0">
+                <a:latin typeface="Times New Roman" panose="02020603050405020304" pitchFamily="18" charset="0"/>
+                <a:cs typeface="Times New Roman" panose="02020603050405020304" pitchFamily="18" charset="0"/>
+              </a:rPr>
               <a:t>How to brand yourself as a skilled person</a:t>
             </a:r>
-            <a:endParaRPr lang="en-US" dirty="0">
-              <a:latin typeface="Times New Roman" panose="02020603050405020304" pitchFamily="18" charset="0"/>
-              <a:cs typeface="Times New Roman" panose="02020603050405020304" pitchFamily="18" charset="0"/>
-            </a:endParaRPr>
           </a:p>
         </p:txBody>
       </p:sp>
@@ -8886,7 +8885,7 @@
           </a:bodyPr>
           <a:lstStyle/>
           <a:p>
-            <a:pPr marL="0" indent="0">
+            <a:pPr marL="0" indent="0" algn="just">
               <a:buNone/>
             </a:pPr>
             <a:r>
@@ -8898,7 +8897,7 @@
             </a:r>
           </a:p>
           <a:p>
-            <a:pPr marL="0" indent="0">
+            <a:pPr marL="0" indent="0" algn="just">
               <a:buNone/>
             </a:pPr>
             <a:endParaRPr lang="en-US" sz="2400" dirty="0">
@@ -8907,7 +8906,7 @@
             </a:endParaRPr>
           </a:p>
           <a:p>
-            <a:pPr marL="0" indent="0">
+            <a:pPr marL="0" indent="0" algn="just">
               <a:buNone/>
             </a:pPr>
             <a:r>
@@ -8919,7 +8918,7 @@
             </a:r>
           </a:p>
           <a:p>
-            <a:pPr marL="0" indent="0">
+            <a:pPr marL="0" indent="0" algn="just">
               <a:buNone/>
             </a:pPr>
             <a:endParaRPr lang="en-US" sz="2400" dirty="0">
@@ -8928,7 +8927,7 @@
             </a:endParaRPr>
           </a:p>
           <a:p>
-            <a:pPr marL="0" indent="0">
+            <a:pPr marL="0" indent="0" algn="just">
               <a:buNone/>
             </a:pPr>
             <a:r>
@@ -8940,7 +8939,7 @@
             </a:r>
           </a:p>
           <a:p>
-            <a:pPr marL="0" indent="0">
+            <a:pPr marL="0" indent="0" algn="just">
               <a:buNone/>
             </a:pPr>
             <a:endParaRPr lang="en-US" sz="2400" dirty="0">
@@ -8949,7 +8948,7 @@
             </a:endParaRPr>
           </a:p>
           <a:p>
-            <a:pPr marL="0" indent="0">
+            <a:pPr marL="0" indent="0" algn="just">
               <a:buNone/>
             </a:pPr>
             <a:r>

--- a/36 Brand Yourself.pptx
+++ b/36 Brand Yourself.pptx
@@ -854,7 +854,7 @@
           <a:p>
             <a:fld id="{C4B1DA5E-C08E-4437-9F13-CDB15DC00A7F}" type="datetimeFigureOut">
               <a:rPr lang="en-US" smtClean="0"/>
-              <a:t>11/29/2023</a:t>
+              <a:t>12/1/2023</a:t>
             </a:fld>
             <a:endParaRPr lang="en-US"/>
           </a:p>
@@ -1105,7 +1105,7 @@
           <a:p>
             <a:fld id="{C4B1DA5E-C08E-4437-9F13-CDB15DC00A7F}" type="datetimeFigureOut">
               <a:rPr lang="en-US" smtClean="0"/>
-              <a:t>11/29/2023</a:t>
+              <a:t>12/1/2023</a:t>
             </a:fld>
             <a:endParaRPr lang="en-US"/>
           </a:p>
@@ -1419,7 +1419,7 @@
           <a:p>
             <a:fld id="{C4B1DA5E-C08E-4437-9F13-CDB15DC00A7F}" type="datetimeFigureOut">
               <a:rPr lang="en-US" smtClean="0"/>
-              <a:t>11/29/2023</a:t>
+              <a:t>12/1/2023</a:t>
             </a:fld>
             <a:endParaRPr lang="en-US"/>
           </a:p>
@@ -1746,7 +1746,7 @@
           <a:p>
             <a:fld id="{C4B1DA5E-C08E-4437-9F13-CDB15DC00A7F}" type="datetimeFigureOut">
               <a:rPr lang="en-US" smtClean="0"/>
-              <a:t>11/29/2023</a:t>
+              <a:t>12/1/2023</a:t>
             </a:fld>
             <a:endParaRPr lang="en-US"/>
           </a:p>
@@ -2060,7 +2060,7 @@
           <a:p>
             <a:fld id="{C4B1DA5E-C08E-4437-9F13-CDB15DC00A7F}" type="datetimeFigureOut">
               <a:rPr lang="en-US" smtClean="0"/>
-              <a:t>11/29/2023</a:t>
+              <a:t>12/1/2023</a:t>
             </a:fld>
             <a:endParaRPr lang="en-US"/>
           </a:p>
@@ -2447,7 +2447,7 @@
           <a:p>
             <a:fld id="{C4B1DA5E-C08E-4437-9F13-CDB15DC00A7F}" type="datetimeFigureOut">
               <a:rPr lang="en-US" smtClean="0"/>
-              <a:t>11/29/2023</a:t>
+              <a:t>12/1/2023</a:t>
             </a:fld>
             <a:endParaRPr lang="en-US"/>
           </a:p>
@@ -2617,7 +2617,7 @@
           <a:p>
             <a:fld id="{C4B1DA5E-C08E-4437-9F13-CDB15DC00A7F}" type="datetimeFigureOut">
               <a:rPr lang="en-US" smtClean="0"/>
-              <a:t>11/29/2023</a:t>
+              <a:t>12/1/2023</a:t>
             </a:fld>
             <a:endParaRPr lang="en-US"/>
           </a:p>
@@ -2797,7 +2797,7 @@
           <a:p>
             <a:fld id="{C4B1DA5E-C08E-4437-9F13-CDB15DC00A7F}" type="datetimeFigureOut">
               <a:rPr lang="en-US" smtClean="0"/>
-              <a:t>11/29/2023</a:t>
+              <a:t>12/1/2023</a:t>
             </a:fld>
             <a:endParaRPr lang="en-US"/>
           </a:p>
@@ -2967,7 +2967,7 @@
           <a:p>
             <a:fld id="{C4B1DA5E-C08E-4437-9F13-CDB15DC00A7F}" type="datetimeFigureOut">
               <a:rPr lang="en-US" smtClean="0"/>
-              <a:t>11/29/2023</a:t>
+              <a:t>12/1/2023</a:t>
             </a:fld>
             <a:endParaRPr lang="en-US"/>
           </a:p>
@@ -3214,7 +3214,7 @@
           <a:p>
             <a:fld id="{C4B1DA5E-C08E-4437-9F13-CDB15DC00A7F}" type="datetimeFigureOut">
               <a:rPr lang="en-US" smtClean="0"/>
-              <a:t>11/29/2023</a:t>
+              <a:t>12/1/2023</a:t>
             </a:fld>
             <a:endParaRPr lang="en-US"/>
           </a:p>
@@ -3446,7 +3446,7 @@
           <a:p>
             <a:fld id="{C4B1DA5E-C08E-4437-9F13-CDB15DC00A7F}" type="datetimeFigureOut">
               <a:rPr lang="en-US" smtClean="0"/>
-              <a:t>11/29/2023</a:t>
+              <a:t>12/1/2023</a:t>
             </a:fld>
             <a:endParaRPr lang="en-US"/>
           </a:p>
@@ -3820,7 +3820,7 @@
           <a:p>
             <a:fld id="{C4B1DA5E-C08E-4437-9F13-CDB15DC00A7F}" type="datetimeFigureOut">
               <a:rPr lang="en-US" smtClean="0"/>
-              <a:t>11/29/2023</a:t>
+              <a:t>12/1/2023</a:t>
             </a:fld>
             <a:endParaRPr lang="en-US"/>
           </a:p>
@@ -3943,7 +3943,7 @@
           <a:p>
             <a:fld id="{C4B1DA5E-C08E-4437-9F13-CDB15DC00A7F}" type="datetimeFigureOut">
               <a:rPr lang="en-US" smtClean="0"/>
-              <a:t>11/29/2023</a:t>
+              <a:t>12/1/2023</a:t>
             </a:fld>
             <a:endParaRPr lang="en-US"/>
           </a:p>
@@ -4038,7 +4038,7 @@
           <a:p>
             <a:fld id="{C4B1DA5E-C08E-4437-9F13-CDB15DC00A7F}" type="datetimeFigureOut">
               <a:rPr lang="en-US" smtClean="0"/>
-              <a:t>11/29/2023</a:t>
+              <a:t>12/1/2023</a:t>
             </a:fld>
             <a:endParaRPr lang="en-US"/>
           </a:p>
@@ -4293,7 +4293,7 @@
           <a:p>
             <a:fld id="{C4B1DA5E-C08E-4437-9F13-CDB15DC00A7F}" type="datetimeFigureOut">
               <a:rPr lang="en-US" smtClean="0"/>
-              <a:t>11/29/2023</a:t>
+              <a:t>12/1/2023</a:t>
             </a:fld>
             <a:endParaRPr lang="en-US"/>
           </a:p>
@@ -4556,7 +4556,7 @@
           <a:p>
             <a:fld id="{C4B1DA5E-C08E-4437-9F13-CDB15DC00A7F}" type="datetimeFigureOut">
               <a:rPr lang="en-US" smtClean="0"/>
-              <a:t>11/29/2023</a:t>
+              <a:t>12/1/2023</a:t>
             </a:fld>
             <a:endParaRPr lang="en-US"/>
           </a:p>
@@ -5301,7 +5301,7 @@
           <a:p>
             <a:fld id="{C4B1DA5E-C08E-4437-9F13-CDB15DC00A7F}" type="datetimeFigureOut">
               <a:rPr lang="en-US" smtClean="0"/>
-              <a:t>11/29/2023</a:t>
+              <a:t>12/1/2023</a:t>
             </a:fld>
             <a:endParaRPr lang="en-US"/>
           </a:p>
@@ -5884,7 +5884,7 @@
               </a:rPr>
             </a:br>
             <a:r>
-              <a:rPr lang="en-US" sz="4400" dirty="0">
+              <a:rPr lang="en-US" sz="6600" dirty="0">
                 <a:latin typeface="Times New Roman" panose="02020603050405020304" pitchFamily="18" charset="0"/>
                 <a:cs typeface="Times New Roman" panose="02020603050405020304" pitchFamily="18" charset="0"/>
               </a:rPr>

--- a/36 Brand Yourself.pptx
+++ b/36 Brand Yourself.pptx
@@ -854,7 +854,7 @@
           <a:p>
             <a:fld id="{C4B1DA5E-C08E-4437-9F13-CDB15DC00A7F}" type="datetimeFigureOut">
               <a:rPr lang="en-US" smtClean="0"/>
-              <a:t>12/1/2023</a:t>
+              <a:t>12/12/2023</a:t>
             </a:fld>
             <a:endParaRPr lang="en-US"/>
           </a:p>
@@ -1105,7 +1105,7 @@
           <a:p>
             <a:fld id="{C4B1DA5E-C08E-4437-9F13-CDB15DC00A7F}" type="datetimeFigureOut">
               <a:rPr lang="en-US" smtClean="0"/>
-              <a:t>12/1/2023</a:t>
+              <a:t>12/12/2023</a:t>
             </a:fld>
             <a:endParaRPr lang="en-US"/>
           </a:p>
@@ -1419,7 +1419,7 @@
           <a:p>
             <a:fld id="{C4B1DA5E-C08E-4437-9F13-CDB15DC00A7F}" type="datetimeFigureOut">
               <a:rPr lang="en-US" smtClean="0"/>
-              <a:t>12/1/2023</a:t>
+              <a:t>12/12/2023</a:t>
             </a:fld>
             <a:endParaRPr lang="en-US"/>
           </a:p>
@@ -1746,7 +1746,7 @@
           <a:p>
             <a:fld id="{C4B1DA5E-C08E-4437-9F13-CDB15DC00A7F}" type="datetimeFigureOut">
               <a:rPr lang="en-US" smtClean="0"/>
-              <a:t>12/1/2023</a:t>
+              <a:t>12/12/2023</a:t>
             </a:fld>
             <a:endParaRPr lang="en-US"/>
           </a:p>
@@ -2060,7 +2060,7 @@
           <a:p>
             <a:fld id="{C4B1DA5E-C08E-4437-9F13-CDB15DC00A7F}" type="datetimeFigureOut">
               <a:rPr lang="en-US" smtClean="0"/>
-              <a:t>12/1/2023</a:t>
+              <a:t>12/12/2023</a:t>
             </a:fld>
             <a:endParaRPr lang="en-US"/>
           </a:p>
@@ -2447,7 +2447,7 @@
           <a:p>
             <a:fld id="{C4B1DA5E-C08E-4437-9F13-CDB15DC00A7F}" type="datetimeFigureOut">
               <a:rPr lang="en-US" smtClean="0"/>
-              <a:t>12/1/2023</a:t>
+              <a:t>12/12/2023</a:t>
             </a:fld>
             <a:endParaRPr lang="en-US"/>
           </a:p>
@@ -2617,7 +2617,7 @@
           <a:p>
             <a:fld id="{C4B1DA5E-C08E-4437-9F13-CDB15DC00A7F}" type="datetimeFigureOut">
               <a:rPr lang="en-US" smtClean="0"/>
-              <a:t>12/1/2023</a:t>
+              <a:t>12/12/2023</a:t>
             </a:fld>
             <a:endParaRPr lang="en-US"/>
           </a:p>
@@ -2797,7 +2797,7 @@
           <a:p>
             <a:fld id="{C4B1DA5E-C08E-4437-9F13-CDB15DC00A7F}" type="datetimeFigureOut">
               <a:rPr lang="en-US" smtClean="0"/>
-              <a:t>12/1/2023</a:t>
+              <a:t>12/12/2023</a:t>
             </a:fld>
             <a:endParaRPr lang="en-US"/>
           </a:p>
@@ -2967,7 +2967,7 @@
           <a:p>
             <a:fld id="{C4B1DA5E-C08E-4437-9F13-CDB15DC00A7F}" type="datetimeFigureOut">
               <a:rPr lang="en-US" smtClean="0"/>
-              <a:t>12/1/2023</a:t>
+              <a:t>12/12/2023</a:t>
             </a:fld>
             <a:endParaRPr lang="en-US"/>
           </a:p>
@@ -3214,7 +3214,7 @@
           <a:p>
             <a:fld id="{C4B1DA5E-C08E-4437-9F13-CDB15DC00A7F}" type="datetimeFigureOut">
               <a:rPr lang="en-US" smtClean="0"/>
-              <a:t>12/1/2023</a:t>
+              <a:t>12/12/2023</a:t>
             </a:fld>
             <a:endParaRPr lang="en-US"/>
           </a:p>
@@ -3446,7 +3446,7 @@
           <a:p>
             <a:fld id="{C4B1DA5E-C08E-4437-9F13-CDB15DC00A7F}" type="datetimeFigureOut">
               <a:rPr lang="en-US" smtClean="0"/>
-              <a:t>12/1/2023</a:t>
+              <a:t>12/12/2023</a:t>
             </a:fld>
             <a:endParaRPr lang="en-US"/>
           </a:p>
@@ -3820,7 +3820,7 @@
           <a:p>
             <a:fld id="{C4B1DA5E-C08E-4437-9F13-CDB15DC00A7F}" type="datetimeFigureOut">
               <a:rPr lang="en-US" smtClean="0"/>
-              <a:t>12/1/2023</a:t>
+              <a:t>12/12/2023</a:t>
             </a:fld>
             <a:endParaRPr lang="en-US"/>
           </a:p>
@@ -3943,7 +3943,7 @@
           <a:p>
             <a:fld id="{C4B1DA5E-C08E-4437-9F13-CDB15DC00A7F}" type="datetimeFigureOut">
               <a:rPr lang="en-US" smtClean="0"/>
-              <a:t>12/1/2023</a:t>
+              <a:t>12/12/2023</a:t>
             </a:fld>
             <a:endParaRPr lang="en-US"/>
           </a:p>
@@ -4038,7 +4038,7 @@
           <a:p>
             <a:fld id="{C4B1DA5E-C08E-4437-9F13-CDB15DC00A7F}" type="datetimeFigureOut">
               <a:rPr lang="en-US" smtClean="0"/>
-              <a:t>12/1/2023</a:t>
+              <a:t>12/12/2023</a:t>
             </a:fld>
             <a:endParaRPr lang="en-US"/>
           </a:p>
@@ -4293,7 +4293,7 @@
           <a:p>
             <a:fld id="{C4B1DA5E-C08E-4437-9F13-CDB15DC00A7F}" type="datetimeFigureOut">
               <a:rPr lang="en-US" smtClean="0"/>
-              <a:t>12/1/2023</a:t>
+              <a:t>12/12/2023</a:t>
             </a:fld>
             <a:endParaRPr lang="en-US"/>
           </a:p>
@@ -4556,7 +4556,7 @@
           <a:p>
             <a:fld id="{C4B1DA5E-C08E-4437-9F13-CDB15DC00A7F}" type="datetimeFigureOut">
               <a:rPr lang="en-US" smtClean="0"/>
-              <a:t>12/1/2023</a:t>
+              <a:t>12/12/2023</a:t>
             </a:fld>
             <a:endParaRPr lang="en-US"/>
           </a:p>
@@ -5301,7 +5301,7 @@
           <a:p>
             <a:fld id="{C4B1DA5E-C08E-4437-9F13-CDB15DC00A7F}" type="datetimeFigureOut">
               <a:rPr lang="en-US" smtClean="0"/>
-              <a:t>12/1/2023</a:t>
+              <a:t>12/12/2023</a:t>
             </a:fld>
             <a:endParaRPr lang="en-US"/>
           </a:p>
@@ -6828,20 +6828,20 @@
               <a:buNone/>
             </a:pPr>
             <a:r>
-              <a:rPr lang="en-US" dirty="0">
+              <a:rPr lang="en-US" b="1" dirty="0">
                 <a:latin typeface="Times New Roman" panose="02020603050405020304" pitchFamily="18" charset="0"/>
                 <a:cs typeface="Times New Roman" panose="02020603050405020304" pitchFamily="18" charset="0"/>
               </a:rPr>
               <a:t>Additional Sections (if relevant</a:t>
             </a:r>
             <a:r>
-              <a:rPr lang="en-US" dirty="0" smtClean="0">
+              <a:rPr lang="en-US" b="1" dirty="0" smtClean="0">
                 <a:latin typeface="Times New Roman" panose="02020603050405020304" pitchFamily="18" charset="0"/>
                 <a:cs typeface="Times New Roman" panose="02020603050405020304" pitchFamily="18" charset="0"/>
               </a:rPr>
               <a:t>):</a:t>
             </a:r>
-            <a:endParaRPr lang="en-US" dirty="0">
+            <a:endParaRPr lang="en-US" b="1" dirty="0">
               <a:latin typeface="Times New Roman" panose="02020603050405020304" pitchFamily="18" charset="0"/>
               <a:cs typeface="Times New Roman" panose="02020603050405020304" pitchFamily="18" charset="0"/>
             </a:endParaRPr>
@@ -6879,20 +6879,20 @@
               <a:buNone/>
             </a:pPr>
             <a:r>
-              <a:rPr lang="en-US" dirty="0">
+              <a:rPr lang="en-US" b="1" dirty="0">
                 <a:latin typeface="Times New Roman" panose="02020603050405020304" pitchFamily="18" charset="0"/>
                 <a:cs typeface="Times New Roman" panose="02020603050405020304" pitchFamily="18" charset="0"/>
               </a:rPr>
               <a:t>References</a:t>
             </a:r>
             <a:r>
-              <a:rPr lang="en-US" dirty="0" smtClean="0">
+              <a:rPr lang="en-US" b="1" dirty="0" smtClean="0">
                 <a:latin typeface="Times New Roman" panose="02020603050405020304" pitchFamily="18" charset="0"/>
                 <a:cs typeface="Times New Roman" panose="02020603050405020304" pitchFamily="18" charset="0"/>
               </a:rPr>
               <a:t>:</a:t>
             </a:r>
-            <a:endParaRPr lang="en-US" dirty="0">
+            <a:endParaRPr lang="en-US" b="1" dirty="0">
               <a:latin typeface="Times New Roman" panose="02020603050405020304" pitchFamily="18" charset="0"/>
               <a:cs typeface="Times New Roman" panose="02020603050405020304" pitchFamily="18" charset="0"/>
             </a:endParaRPr>
